--- a/docs/diagrams/WhiteBlackDiagrams/LogicComponentCommandClassDiagram.pptx
+++ b/docs/diagrams/WhiteBlackDiagrams/LogicComponentCommandClassDiagram.pptx
@@ -3461,6 +3461,7 @@
             <a:chOff x="831983" y="1600200"/>
             <a:chExt cx="7778617" cy="2819400"/>
           </a:xfrm>
+          <a:noFill/>
         </p:grpSpPr>
         <p:sp>
           <p:nvSpPr>
@@ -3478,7 +3479,7 @@
                 <a:gd name="adj" fmla="val 3484"/>
               </a:avLst>
             </a:prstGeom>
-            <a:noFill/>
+            <a:grpFill/>
             <a:ln w="19050">
               <a:solidFill>
                 <a:schemeClr val="tx1"/>
@@ -3504,7 +3505,7 @@
             <a:bodyPr rtlCol="0" anchor="t"/>
             <a:lstStyle/>
             <a:p>
-              <a:endParaRPr lang="en-SG" sz="1200" b="1" dirty="0">
+              <a:endParaRPr lang="en-SG" sz="1100" b="1" dirty="0">
                 <a:solidFill>
                   <a:schemeClr val="tx1"/>
                 </a:solidFill>
@@ -3528,7 +3529,7 @@
                 <a:gd name="adj" fmla="val 3484"/>
               </a:avLst>
             </a:prstGeom>
-            <a:noFill/>
+            <a:grpFill/>
             <a:ln w="19050">
               <a:solidFill>
                 <a:schemeClr val="tx1"/>
@@ -3555,14 +3556,14 @@
             <a:lstStyle/>
             <a:p>
               <a:r>
-                <a:rPr lang="en-US" sz="1200" b="1" dirty="0">
+                <a:rPr lang="en-US" sz="1100" b="1" dirty="0">
                   <a:solidFill>
                     <a:schemeClr val="tx1"/>
                   </a:solidFill>
                 </a:rPr>
                 <a:t>Logic</a:t>
               </a:r>
-              <a:endParaRPr lang="en-SG" sz="1200" b="1" dirty="0">
+              <a:endParaRPr lang="en-SG" sz="1100" b="1" dirty="0">
                 <a:solidFill>
                   <a:schemeClr val="tx1"/>
                 </a:solidFill>
@@ -3584,7 +3585,7 @@
             <a:prstGeom prst="rect">
               <a:avLst/>
             </a:prstGeom>
-            <a:noFill/>
+            <a:grpFill/>
             <a:ln w="19050">
               <a:solidFill>
                 <a:schemeClr val="tx1"/>
@@ -3612,7 +3613,7 @@
             <a:p>
               <a:pPr algn="ctr"/>
               <a:r>
-                <a:rPr lang="en-US" sz="1050" b="1" dirty="0">
+                <a:rPr lang="en-US" sz="1100" b="1" dirty="0">
                   <a:solidFill>
                     <a:schemeClr val="tx1"/>
                   </a:solidFill>
@@ -3620,21 +3621,21 @@
                 <a:t>{abstract}</a:t>
               </a:r>
               <a:br>
-                <a:rPr lang="en-US" sz="1050" b="1" dirty="0">
+                <a:rPr lang="en-US" sz="1100" b="1" dirty="0">
                   <a:solidFill>
                     <a:schemeClr val="tx1"/>
                   </a:solidFill>
                 </a:rPr>
               </a:br>
               <a:r>
-                <a:rPr lang="en-US" sz="1050" b="1" dirty="0">
+                <a:rPr lang="en-US" sz="1100" b="1" dirty="0">
                   <a:solidFill>
                     <a:schemeClr val="tx1"/>
                   </a:solidFill>
                 </a:rPr>
                 <a:t>Command</a:t>
               </a:r>
-              <a:endParaRPr lang="en-SG" sz="1050" b="1" dirty="0">
+              <a:endParaRPr lang="en-SG" sz="1100" b="1" dirty="0">
                 <a:solidFill>
                   <a:schemeClr val="tx1"/>
                 </a:solidFill>
@@ -3661,6 +3662,7 @@
                 <a:gd name="adj1" fmla="val 50000"/>
               </a:avLst>
             </a:prstGeom>
+            <a:grpFill/>
             <a:ln w="19050">
               <a:solidFill>
                 <a:schemeClr val="tx1"/>
@@ -3698,7 +3700,7 @@
             <a:prstGeom prst="rect">
               <a:avLst/>
             </a:prstGeom>
-            <a:noFill/>
+            <a:grpFill/>
             <a:ln w="19050">
               <a:solidFill>
                 <a:schemeClr val="tx1"/>
@@ -3726,7 +3728,7 @@
             <a:p>
               <a:pPr algn="ctr"/>
               <a:r>
-                <a:rPr lang="en-US" sz="1050" b="1" dirty="0">
+                <a:rPr lang="en-US" sz="1100" b="1" dirty="0">
                   <a:solidFill>
                     <a:schemeClr val="tx1"/>
                   </a:solidFill>
@@ -3734,14 +3736,14 @@
                 <a:t>{abstract}</a:t>
               </a:r>
               <a:br>
-                <a:rPr lang="en-US" sz="1050" b="1">
+                <a:rPr lang="en-US" sz="1100" b="1">
                   <a:solidFill>
                     <a:schemeClr val="tx1"/>
                   </a:solidFill>
                 </a:rPr>
               </a:br>
               <a:r>
-                <a:rPr lang="en-US" sz="1050" b="1">
+                <a:rPr lang="en-US" sz="1100" b="1">
                   <a:solidFill>
                     <a:schemeClr val="tx1"/>
                   </a:solidFill>
@@ -3752,14 +3754,14 @@
             <a:p>
               <a:pPr algn="ctr"/>
               <a:r>
-                <a:rPr lang="en-US" sz="1050" b="1" dirty="0">
+                <a:rPr lang="en-US" sz="1100" b="1" dirty="0">
                   <a:solidFill>
                     <a:schemeClr val="tx1"/>
                   </a:solidFill>
                 </a:rPr>
                 <a:t>Command</a:t>
               </a:r>
-              <a:endParaRPr lang="en-SG" sz="1050" b="1" dirty="0">
+              <a:endParaRPr lang="en-SG" sz="1100" b="1" dirty="0">
                 <a:solidFill>
                   <a:schemeClr val="tx1"/>
                 </a:solidFill>
@@ -3786,6 +3788,7 @@
                 <a:gd name="adj1" fmla="val 50000"/>
               </a:avLst>
             </a:prstGeom>
+            <a:grpFill/>
             <a:ln w="19050">
               <a:solidFill>
                 <a:schemeClr val="tx1"/>
@@ -3823,7 +3826,7 @@
             <a:prstGeom prst="triangle">
               <a:avLst/>
             </a:prstGeom>
-            <a:noFill/>
+            <a:grpFill/>
             <a:ln w="19050">
               <a:solidFill>
                 <a:schemeClr val="tx1"/>
@@ -3850,7 +3853,7 @@
             <a:lstStyle/>
             <a:p>
               <a:pPr algn="ctr"/>
-              <a:endParaRPr lang="en-SG" sz="1050" b="1">
+              <a:endParaRPr lang="en-SG" sz="1100" b="1">
                 <a:solidFill>
                   <a:schemeClr val="tx1"/>
                 </a:solidFill>
@@ -3872,7 +3875,7 @@
             <a:prstGeom prst="rect">
               <a:avLst/>
             </a:prstGeom>
-            <a:noFill/>
+            <a:grpFill/>
             <a:ln w="19050">
               <a:solidFill>
                 <a:schemeClr val="tx1"/>
@@ -3900,14 +3903,14 @@
             <a:p>
               <a:pPr algn="ctr"/>
               <a:r>
-                <a:rPr lang="en-US" sz="1050" b="1" dirty="0" err="1">
+                <a:rPr lang="en-US" sz="1100" b="1" dirty="0" err="1">
                   <a:solidFill>
                     <a:schemeClr val="tx1"/>
                   </a:solidFill>
                 </a:rPr>
                 <a:t>AddCardCommand</a:t>
               </a:r>
-              <a:endParaRPr lang="en-US" sz="1050" b="1" dirty="0">
+              <a:endParaRPr lang="en-US" sz="1100" b="1" dirty="0">
                 <a:solidFill>
                   <a:schemeClr val="tx1"/>
                 </a:solidFill>
@@ -3929,7 +3932,7 @@
             <a:prstGeom prst="rect">
               <a:avLst/>
             </a:prstGeom>
-            <a:noFill/>
+            <a:grpFill/>
             <a:ln w="19050">
               <a:solidFill>
                 <a:schemeClr val="tx1"/>
@@ -3957,14 +3960,14 @@
             <a:p>
               <a:pPr algn="ctr"/>
               <a:r>
-                <a:rPr lang="en-US" sz="1050" b="1" dirty="0" err="1">
+                <a:rPr lang="en-US" sz="1100" b="1" dirty="0" err="1">
                   <a:solidFill>
                     <a:schemeClr val="tx1"/>
                   </a:solidFill>
                 </a:rPr>
                 <a:t>ClearCommand</a:t>
               </a:r>
-              <a:endParaRPr lang="en-US" sz="1050" b="1" dirty="0">
+              <a:endParaRPr lang="en-US" sz="1100" b="1" dirty="0">
                 <a:solidFill>
                   <a:schemeClr val="tx1"/>
                 </a:solidFill>
@@ -3986,7 +3989,7 @@
             <a:prstGeom prst="rect">
               <a:avLst/>
             </a:prstGeom>
-            <a:noFill/>
+            <a:grpFill/>
             <a:ln w="19050">
               <a:solidFill>
                 <a:schemeClr val="tx1"/>
@@ -4014,14 +4017,14 @@
             <a:p>
               <a:pPr algn="ctr"/>
               <a:r>
-                <a:rPr lang="mr-IN" sz="1050" b="1" dirty="0">
+                <a:rPr lang="mr-IN" sz="1100" b="1" dirty="0">
                   <a:solidFill>
                     <a:schemeClr val="tx1"/>
                   </a:solidFill>
                 </a:rPr>
                 <a:t>…</a:t>
               </a:r>
-              <a:endParaRPr lang="en-US" sz="1050" b="1" dirty="0">
+              <a:endParaRPr lang="en-US" sz="1100" b="1" dirty="0">
                 <a:solidFill>
                   <a:schemeClr val="tx1"/>
                 </a:solidFill>
@@ -4048,6 +4051,7 @@
                 <a:gd name="adj1" fmla="val 50000"/>
               </a:avLst>
             </a:prstGeom>
+            <a:grpFill/>
             <a:ln w="19050">
               <a:solidFill>
                 <a:schemeClr val="tx1"/>
@@ -4090,6 +4094,7 @@
                 <a:gd name="adj1" fmla="val 50000"/>
               </a:avLst>
             </a:prstGeom>
+            <a:grpFill/>
             <a:ln w="19050">
               <a:solidFill>
                 <a:schemeClr val="tx1"/>
@@ -4133,6 +4138,7 @@
                 <a:gd name="adj1" fmla="val 50000"/>
               </a:avLst>
             </a:prstGeom>
+            <a:grpFill/>
             <a:ln w="19050">
               <a:solidFill>
                 <a:schemeClr val="tx1"/>
@@ -4170,7 +4176,7 @@
             <a:prstGeom prst="triangle">
               <a:avLst/>
             </a:prstGeom>
-            <a:noFill/>
+            <a:grpFill/>
             <a:ln w="19050">
               <a:solidFill>
                 <a:schemeClr val="tx1"/>
@@ -4197,7 +4203,7 @@
             <a:lstStyle/>
             <a:p>
               <a:pPr algn="ctr"/>
-              <a:endParaRPr lang="en-SG" sz="1050" b="1">
+              <a:endParaRPr lang="en-SG" sz="1100" b="1">
                 <a:solidFill>
                   <a:schemeClr val="tx1"/>
                 </a:solidFill>
@@ -4219,7 +4225,7 @@
             <a:prstGeom prst="rect">
               <a:avLst/>
             </a:prstGeom>
-            <a:noFill/>
+            <a:grpFill/>
             <a:ln w="19050">
               <a:solidFill>
                 <a:schemeClr val="tx1"/>
@@ -4247,14 +4253,14 @@
             <a:p>
               <a:pPr algn="ctr"/>
               <a:r>
-                <a:rPr lang="en-US" sz="1050" b="1">
+                <a:rPr lang="en-US" sz="1100" b="1">
                   <a:solidFill>
                     <a:schemeClr val="tx1"/>
                   </a:solidFill>
                 </a:rPr>
                 <a:t>FindCommand</a:t>
               </a:r>
-              <a:endParaRPr lang="en-US" sz="1050" b="1" dirty="0">
+              <a:endParaRPr lang="en-US" sz="1100" b="1" dirty="0">
                 <a:solidFill>
                   <a:schemeClr val="tx1"/>
                 </a:solidFill>
@@ -4276,7 +4282,7 @@
             <a:prstGeom prst="rect">
               <a:avLst/>
             </a:prstGeom>
-            <a:noFill/>
+            <a:grpFill/>
             <a:ln w="19050">
               <a:solidFill>
                 <a:schemeClr val="tx1"/>
@@ -4304,14 +4310,14 @@
             <a:p>
               <a:pPr algn="ctr"/>
               <a:r>
-                <a:rPr lang="en-US" sz="1050" b="1" dirty="0" err="1">
+                <a:rPr lang="en-US" sz="1100" b="1" dirty="0" err="1">
                   <a:solidFill>
                     <a:schemeClr val="tx1"/>
                   </a:solidFill>
                 </a:rPr>
                 <a:t>UndoCommand</a:t>
               </a:r>
-              <a:endParaRPr lang="en-US" sz="1050" b="1" dirty="0">
+              <a:endParaRPr lang="en-US" sz="1100" b="1" dirty="0">
                 <a:solidFill>
                   <a:schemeClr val="tx1"/>
                 </a:solidFill>
@@ -4338,6 +4344,7 @@
                 <a:gd name="adj1" fmla="val 50000"/>
               </a:avLst>
             </a:prstGeom>
+            <a:grpFill/>
             <a:ln w="19050">
               <a:solidFill>
                 <a:schemeClr val="tx1"/>
@@ -4375,7 +4382,7 @@
             <a:prstGeom prst="rect">
               <a:avLst/>
             </a:prstGeom>
-            <a:noFill/>
+            <a:grpFill/>
             <a:ln w="19050">
               <a:solidFill>
                 <a:schemeClr val="tx1"/>
@@ -4403,14 +4410,14 @@
             <a:p>
               <a:pPr algn="ctr"/>
               <a:r>
-                <a:rPr lang="mr-IN" sz="1050" b="1" dirty="0">
+                <a:rPr lang="mr-IN" sz="1100" b="1" dirty="0">
                   <a:solidFill>
                     <a:schemeClr val="tx1"/>
                   </a:solidFill>
                 </a:rPr>
                 <a:t>…</a:t>
               </a:r>
-              <a:endParaRPr lang="en-US" sz="1050" b="1" dirty="0">
+              <a:endParaRPr lang="en-US" sz="1100" b="1" dirty="0">
                 <a:solidFill>
                   <a:schemeClr val="tx1"/>
                 </a:solidFill>
@@ -4437,6 +4444,7 @@
                 <a:gd name="adj1" fmla="val 50000"/>
               </a:avLst>
             </a:prstGeom>
+            <a:grpFill/>
             <a:ln w="19050">
               <a:solidFill>
                 <a:schemeClr val="tx1"/>
@@ -4474,7 +4482,7 @@
             <a:prstGeom prst="triangle">
               <a:avLst/>
             </a:prstGeom>
-            <a:noFill/>
+            <a:grpFill/>
             <a:ln w="19050">
               <a:solidFill>
                 <a:schemeClr val="tx1"/>
@@ -4501,7 +4509,7 @@
             <a:lstStyle/>
             <a:p>
               <a:pPr algn="ctr"/>
-              <a:endParaRPr lang="en-SG" sz="1050" b="1">
+              <a:endParaRPr lang="en-SG" sz="1100" b="1">
                 <a:solidFill>
                   <a:schemeClr val="tx1"/>
                 </a:solidFill>
@@ -4523,7 +4531,7 @@
             <a:prstGeom prst="rect">
               <a:avLst/>
             </a:prstGeom>
-            <a:noFill/>
+            <a:grpFill/>
             <a:ln w="19050">
               <a:solidFill>
                 <a:schemeClr val="tx1"/>
@@ -4551,14 +4559,14 @@
             <a:p>
               <a:pPr algn="ctr"/>
               <a:r>
-                <a:rPr lang="en-US" sz="1050" b="1" dirty="0" err="1">
+                <a:rPr lang="en-US" sz="1100" b="1" dirty="0" err="1">
                   <a:solidFill>
                     <a:schemeClr val="tx1"/>
                   </a:solidFill>
                 </a:rPr>
                 <a:t>XYZCommand</a:t>
               </a:r>
-              <a:endParaRPr lang="en-SG" sz="1050" b="1" dirty="0">
+              <a:endParaRPr lang="en-SG" sz="1100" b="1" dirty="0">
                 <a:solidFill>
                   <a:schemeClr val="tx1"/>
                 </a:solidFill>
@@ -4580,7 +4588,7 @@
             <a:prstGeom prst="rect">
               <a:avLst/>
             </a:prstGeom>
-            <a:noFill/>
+            <a:grpFill/>
             <a:ln w="19050">
               <a:solidFill>
                 <a:schemeClr val="tx1"/>
@@ -4608,7 +4616,7 @@
             <a:p>
               <a:pPr algn="ctr"/>
               <a:r>
-                <a:rPr lang="en-US" sz="1050" b="1" dirty="0">
+                <a:rPr lang="en-US" sz="1100" b="1" dirty="0">
                   <a:solidFill>
                     <a:schemeClr val="tx1"/>
                   </a:solidFill>
@@ -4616,21 +4624,21 @@
                 <a:t>{abstract}</a:t>
               </a:r>
               <a:br>
-                <a:rPr lang="en-US" sz="1050" b="1" dirty="0">
+                <a:rPr lang="en-US" sz="1100" b="1" dirty="0">
                   <a:solidFill>
                     <a:schemeClr val="tx1"/>
                   </a:solidFill>
                 </a:rPr>
               </a:br>
               <a:r>
-                <a:rPr lang="en-US" sz="1050" b="1" dirty="0">
+                <a:rPr lang="en-US" sz="1100" b="1" dirty="0">
                   <a:solidFill>
                     <a:schemeClr val="tx1"/>
                   </a:solidFill>
                 </a:rPr>
                 <a:t>Command</a:t>
               </a:r>
-              <a:endParaRPr lang="en-SG" sz="1050" b="1" dirty="0">
+              <a:endParaRPr lang="en-SG" sz="1100" b="1" dirty="0">
                 <a:solidFill>
                   <a:schemeClr val="tx1"/>
                 </a:solidFill>
@@ -4652,7 +4660,7 @@
             <a:prstGeom prst="triangle">
               <a:avLst/>
             </a:prstGeom>
-            <a:noFill/>
+            <a:grpFill/>
             <a:ln w="19050">
               <a:solidFill>
                 <a:schemeClr val="tx1"/>
@@ -4679,7 +4687,7 @@
             <a:lstStyle/>
             <a:p>
               <a:pPr algn="ctr"/>
-              <a:endParaRPr lang="en-SG" sz="1050" b="1">
+              <a:endParaRPr lang="en-SG" sz="1100" b="1">
                 <a:solidFill>
                   <a:schemeClr val="tx1"/>
                 </a:solidFill>
@@ -4705,6 +4713,7 @@
                 <a:gd name="adj1" fmla="val 50000"/>
               </a:avLst>
             </a:prstGeom>
+            <a:grpFill/>
             <a:ln w="19050">
               <a:solidFill>
                 <a:schemeClr val="tx1"/>
@@ -4745,6 +4754,7 @@
             <a:prstGeom prst="straightConnector1">
               <a:avLst/>
             </a:prstGeom>
+            <a:grpFill/>
             <a:ln w="19050">
               <a:solidFill>
                 <a:schemeClr val="tx1"/>
